--- a/ppt 16-9/0513.祈祷和平.pptx
+++ b/ppt 16-9/0513.祈祷和平.pptx
@@ -129,7 +129,7 @@
           <p:cNvPr id="2" name="标题 1">
             <a:extLst>
               <a:ext uri="{FF2B5EF4-FFF2-40B4-BE49-F238E27FC236}">
-                <a16:creationId xmlns:a16="http://schemas.microsoft.com/office/drawing/2014/main" id="{0565CA39-332E-C2C1-6C6C-38C8C2C10B0A}"/>
+                <a16:creationId xmlns:a16="http://schemas.microsoft.com/office/drawing/2014/main" id="{07ED4C5C-D276-C436-C989-FF6AF54854DA}"/>
               </a:ext>
             </a:extLst>
           </p:cNvPr>
@@ -166,7 +166,7 @@
           <p:cNvPr id="3" name="副标题 2">
             <a:extLst>
               <a:ext uri="{FF2B5EF4-FFF2-40B4-BE49-F238E27FC236}">
-                <a16:creationId xmlns:a16="http://schemas.microsoft.com/office/drawing/2014/main" id="{2AC59D00-9730-B959-9E4B-293FC0293FE3}"/>
+                <a16:creationId xmlns:a16="http://schemas.microsoft.com/office/drawing/2014/main" id="{B850AA7C-F5BA-4C67-C45F-F989AA6C61BF}"/>
               </a:ext>
             </a:extLst>
           </p:cNvPr>
@@ -236,7 +236,7 @@
           <p:cNvPr id="4" name="日期占位符 3">
             <a:extLst>
               <a:ext uri="{FF2B5EF4-FFF2-40B4-BE49-F238E27FC236}">
-                <a16:creationId xmlns:a16="http://schemas.microsoft.com/office/drawing/2014/main" id="{B2A5FE86-6625-FB16-5548-81145E4B8108}"/>
+                <a16:creationId xmlns:a16="http://schemas.microsoft.com/office/drawing/2014/main" id="{E12AD669-26CE-B8AD-603A-DA8A553B0B53}"/>
               </a:ext>
             </a:extLst>
           </p:cNvPr>
@@ -252,7 +252,7 @@
           <a:bodyPr/>
           <a:lstStyle/>
           <a:p>
-            <a:fld id="{1245EAD2-EA0A-41E4-B136-19EBE2A0E703}" type="datetimeFigureOut">
+            <a:fld id="{38A64FD6-4D52-4A11-8A55-05620A3D15F4}" type="datetimeFigureOut">
               <a:rPr lang="zh-CN" altLang="en-US" smtClean="0"/>
               <a:t>2024/3/10</a:t>
             </a:fld>
@@ -265,7 +265,7 @@
           <p:cNvPr id="5" name="页脚占位符 4">
             <a:extLst>
               <a:ext uri="{FF2B5EF4-FFF2-40B4-BE49-F238E27FC236}">
-                <a16:creationId xmlns:a16="http://schemas.microsoft.com/office/drawing/2014/main" id="{EF5A6CB4-347E-5D8B-5E20-98E033328694}"/>
+                <a16:creationId xmlns:a16="http://schemas.microsoft.com/office/drawing/2014/main" id="{027EAE1E-AB24-79E7-5A3B-2906045AFEE3}"/>
               </a:ext>
             </a:extLst>
           </p:cNvPr>
@@ -290,7 +290,7 @@
           <p:cNvPr id="6" name="灯片编号占位符 5">
             <a:extLst>
               <a:ext uri="{FF2B5EF4-FFF2-40B4-BE49-F238E27FC236}">
-                <a16:creationId xmlns:a16="http://schemas.microsoft.com/office/drawing/2014/main" id="{50D6EB70-8EB1-3F94-AD29-0B4AAA44488C}"/>
+                <a16:creationId xmlns:a16="http://schemas.microsoft.com/office/drawing/2014/main" id="{B66FDD59-D4D1-68B3-C391-E6A6FEDF9EA2}"/>
               </a:ext>
             </a:extLst>
           </p:cNvPr>
@@ -306,7 +306,7 @@
           <a:bodyPr/>
           <a:lstStyle/>
           <a:p>
-            <a:fld id="{8C719FB9-1574-432E-AA33-B1420A03B5B1}" type="slidenum">
+            <a:fld id="{ED5A25D8-034D-4EFC-B7AC-E71E9C7A57EA}" type="slidenum">
               <a:rPr lang="zh-CN" altLang="en-US" smtClean="0"/>
               <a:t>‹#›</a:t>
             </a:fld>
@@ -317,7 +317,7 @@
     </p:spTree>
     <p:extLst>
       <p:ext uri="{BB962C8B-B14F-4D97-AF65-F5344CB8AC3E}">
-        <p14:creationId xmlns:p14="http://schemas.microsoft.com/office/powerpoint/2010/main" val="1399626034"/>
+        <p14:creationId xmlns:p14="http://schemas.microsoft.com/office/powerpoint/2010/main" val="955601217"/>
       </p:ext>
     </p:extLst>
   </p:cSld>
@@ -349,7 +349,7 @@
           <p:cNvPr id="2" name="标题 1">
             <a:extLst>
               <a:ext uri="{FF2B5EF4-FFF2-40B4-BE49-F238E27FC236}">
-                <a16:creationId xmlns:a16="http://schemas.microsoft.com/office/drawing/2014/main" id="{F9CE09E4-397C-5FFC-EAAC-C65C035CE08B}"/>
+                <a16:creationId xmlns:a16="http://schemas.microsoft.com/office/drawing/2014/main" id="{C2B7424E-640F-F544-5500-33F22610614B}"/>
               </a:ext>
             </a:extLst>
           </p:cNvPr>
@@ -377,7 +377,7 @@
           <p:cNvPr id="3" name="竖排文字占位符 2">
             <a:extLst>
               <a:ext uri="{FF2B5EF4-FFF2-40B4-BE49-F238E27FC236}">
-                <a16:creationId xmlns:a16="http://schemas.microsoft.com/office/drawing/2014/main" id="{4AA899C4-E253-34EE-831B-B65B7DE154E8}"/>
+                <a16:creationId xmlns:a16="http://schemas.microsoft.com/office/drawing/2014/main" id="{622C559F-B192-1ECE-D175-B08267BFF33B}"/>
               </a:ext>
             </a:extLst>
           </p:cNvPr>
@@ -434,7 +434,7 @@
           <p:cNvPr id="4" name="日期占位符 3">
             <a:extLst>
               <a:ext uri="{FF2B5EF4-FFF2-40B4-BE49-F238E27FC236}">
-                <a16:creationId xmlns:a16="http://schemas.microsoft.com/office/drawing/2014/main" id="{F1008021-F886-9111-74C6-F41260B2C54B}"/>
+                <a16:creationId xmlns:a16="http://schemas.microsoft.com/office/drawing/2014/main" id="{97951E9F-DCA9-153B-93EE-CFFC24B5A0A9}"/>
               </a:ext>
             </a:extLst>
           </p:cNvPr>
@@ -450,7 +450,7 @@
           <a:bodyPr/>
           <a:lstStyle/>
           <a:p>
-            <a:fld id="{1245EAD2-EA0A-41E4-B136-19EBE2A0E703}" type="datetimeFigureOut">
+            <a:fld id="{38A64FD6-4D52-4A11-8A55-05620A3D15F4}" type="datetimeFigureOut">
               <a:rPr lang="zh-CN" altLang="en-US" smtClean="0"/>
               <a:t>2024/3/10</a:t>
             </a:fld>
@@ -463,7 +463,7 @@
           <p:cNvPr id="5" name="页脚占位符 4">
             <a:extLst>
               <a:ext uri="{FF2B5EF4-FFF2-40B4-BE49-F238E27FC236}">
-                <a16:creationId xmlns:a16="http://schemas.microsoft.com/office/drawing/2014/main" id="{38253844-D6E8-DBC1-B078-49758157D3FC}"/>
+                <a16:creationId xmlns:a16="http://schemas.microsoft.com/office/drawing/2014/main" id="{85672D3E-74F8-9878-EC98-0ABBE0B6C488}"/>
               </a:ext>
             </a:extLst>
           </p:cNvPr>
@@ -488,7 +488,7 @@
           <p:cNvPr id="6" name="灯片编号占位符 5">
             <a:extLst>
               <a:ext uri="{FF2B5EF4-FFF2-40B4-BE49-F238E27FC236}">
-                <a16:creationId xmlns:a16="http://schemas.microsoft.com/office/drawing/2014/main" id="{5A63FE50-E100-6D7C-1DA1-8991D7F8F6F0}"/>
+                <a16:creationId xmlns:a16="http://schemas.microsoft.com/office/drawing/2014/main" id="{F06334AB-F4B6-3C72-93A5-CA59B0B6068B}"/>
               </a:ext>
             </a:extLst>
           </p:cNvPr>
@@ -504,7 +504,7 @@
           <a:bodyPr/>
           <a:lstStyle/>
           <a:p>
-            <a:fld id="{8C719FB9-1574-432E-AA33-B1420A03B5B1}" type="slidenum">
+            <a:fld id="{ED5A25D8-034D-4EFC-B7AC-E71E9C7A57EA}" type="slidenum">
               <a:rPr lang="zh-CN" altLang="en-US" smtClean="0"/>
               <a:t>‹#›</a:t>
             </a:fld>
@@ -515,7 +515,7 @@
     </p:spTree>
     <p:extLst>
       <p:ext uri="{BB962C8B-B14F-4D97-AF65-F5344CB8AC3E}">
-        <p14:creationId xmlns:p14="http://schemas.microsoft.com/office/powerpoint/2010/main" val="1561717122"/>
+        <p14:creationId xmlns:p14="http://schemas.microsoft.com/office/powerpoint/2010/main" val="970899281"/>
       </p:ext>
     </p:extLst>
   </p:cSld>
@@ -547,7 +547,7 @@
           <p:cNvPr id="2" name="竖排标题 1">
             <a:extLst>
               <a:ext uri="{FF2B5EF4-FFF2-40B4-BE49-F238E27FC236}">
-                <a16:creationId xmlns:a16="http://schemas.microsoft.com/office/drawing/2014/main" id="{F044009F-75DB-18D8-2ED3-C9C08D489048}"/>
+                <a16:creationId xmlns:a16="http://schemas.microsoft.com/office/drawing/2014/main" id="{B216D6EC-0D95-77DC-A9F1-BB1E33B4C0BB}"/>
               </a:ext>
             </a:extLst>
           </p:cNvPr>
@@ -580,7 +580,7 @@
           <p:cNvPr id="3" name="竖排文字占位符 2">
             <a:extLst>
               <a:ext uri="{FF2B5EF4-FFF2-40B4-BE49-F238E27FC236}">
-                <a16:creationId xmlns:a16="http://schemas.microsoft.com/office/drawing/2014/main" id="{619E4C78-41DA-DBA0-5966-46FC7EF3AC71}"/>
+                <a16:creationId xmlns:a16="http://schemas.microsoft.com/office/drawing/2014/main" id="{0653CF9A-B375-FDC8-BAAE-9E128F35BA9E}"/>
               </a:ext>
             </a:extLst>
           </p:cNvPr>
@@ -642,7 +642,7 @@
           <p:cNvPr id="4" name="日期占位符 3">
             <a:extLst>
               <a:ext uri="{FF2B5EF4-FFF2-40B4-BE49-F238E27FC236}">
-                <a16:creationId xmlns:a16="http://schemas.microsoft.com/office/drawing/2014/main" id="{CE9814E6-41BF-5F77-AEDC-E307C1EC0B27}"/>
+                <a16:creationId xmlns:a16="http://schemas.microsoft.com/office/drawing/2014/main" id="{589EA861-311D-A65D-90F4-284C4A1BDE06}"/>
               </a:ext>
             </a:extLst>
           </p:cNvPr>
@@ -658,7 +658,7 @@
           <a:bodyPr/>
           <a:lstStyle/>
           <a:p>
-            <a:fld id="{1245EAD2-EA0A-41E4-B136-19EBE2A0E703}" type="datetimeFigureOut">
+            <a:fld id="{38A64FD6-4D52-4A11-8A55-05620A3D15F4}" type="datetimeFigureOut">
               <a:rPr lang="zh-CN" altLang="en-US" smtClean="0"/>
               <a:t>2024/3/10</a:t>
             </a:fld>
@@ -671,7 +671,7 @@
           <p:cNvPr id="5" name="页脚占位符 4">
             <a:extLst>
               <a:ext uri="{FF2B5EF4-FFF2-40B4-BE49-F238E27FC236}">
-                <a16:creationId xmlns:a16="http://schemas.microsoft.com/office/drawing/2014/main" id="{02A9E99B-E3BF-D808-FF6D-5EDB2E0BA159}"/>
+                <a16:creationId xmlns:a16="http://schemas.microsoft.com/office/drawing/2014/main" id="{5DFA51C9-4464-3407-5598-92CBBC759379}"/>
               </a:ext>
             </a:extLst>
           </p:cNvPr>
@@ -696,7 +696,7 @@
           <p:cNvPr id="6" name="灯片编号占位符 5">
             <a:extLst>
               <a:ext uri="{FF2B5EF4-FFF2-40B4-BE49-F238E27FC236}">
-                <a16:creationId xmlns:a16="http://schemas.microsoft.com/office/drawing/2014/main" id="{17A6349A-15A3-D802-A07C-70C8CC78225A}"/>
+                <a16:creationId xmlns:a16="http://schemas.microsoft.com/office/drawing/2014/main" id="{219AE207-8938-44DC-96B1-FEE105209E1B}"/>
               </a:ext>
             </a:extLst>
           </p:cNvPr>
@@ -712,7 +712,7 @@
           <a:bodyPr/>
           <a:lstStyle/>
           <a:p>
-            <a:fld id="{8C719FB9-1574-432E-AA33-B1420A03B5B1}" type="slidenum">
+            <a:fld id="{ED5A25D8-034D-4EFC-B7AC-E71E9C7A57EA}" type="slidenum">
               <a:rPr lang="zh-CN" altLang="en-US" smtClean="0"/>
               <a:t>‹#›</a:t>
             </a:fld>
@@ -723,7 +723,7 @@
     </p:spTree>
     <p:extLst>
       <p:ext uri="{BB962C8B-B14F-4D97-AF65-F5344CB8AC3E}">
-        <p14:creationId xmlns:p14="http://schemas.microsoft.com/office/powerpoint/2010/main" val="2966297468"/>
+        <p14:creationId xmlns:p14="http://schemas.microsoft.com/office/powerpoint/2010/main" val="747374378"/>
       </p:ext>
     </p:extLst>
   </p:cSld>
@@ -755,7 +755,7 @@
           <p:cNvPr id="2" name="标题 1">
             <a:extLst>
               <a:ext uri="{FF2B5EF4-FFF2-40B4-BE49-F238E27FC236}">
-                <a16:creationId xmlns:a16="http://schemas.microsoft.com/office/drawing/2014/main" id="{B30C3F47-6C92-4DCA-704F-ABC2953696C6}"/>
+                <a16:creationId xmlns:a16="http://schemas.microsoft.com/office/drawing/2014/main" id="{C0EB0D16-F71E-EF35-6A20-7FCA507A55C4}"/>
               </a:ext>
             </a:extLst>
           </p:cNvPr>
@@ -783,7 +783,7 @@
           <p:cNvPr id="3" name="内容占位符 2">
             <a:extLst>
               <a:ext uri="{FF2B5EF4-FFF2-40B4-BE49-F238E27FC236}">
-                <a16:creationId xmlns:a16="http://schemas.microsoft.com/office/drawing/2014/main" id="{8EF6237B-3731-C6F8-C8A5-F8CCC9F311CE}"/>
+                <a16:creationId xmlns:a16="http://schemas.microsoft.com/office/drawing/2014/main" id="{FA1CCE88-5A13-BFBD-BF8E-59747476C58D}"/>
               </a:ext>
             </a:extLst>
           </p:cNvPr>
@@ -840,7 +840,7 @@
           <p:cNvPr id="4" name="日期占位符 3">
             <a:extLst>
               <a:ext uri="{FF2B5EF4-FFF2-40B4-BE49-F238E27FC236}">
-                <a16:creationId xmlns:a16="http://schemas.microsoft.com/office/drawing/2014/main" id="{303305E3-FC21-A1D8-58B9-591102645EAD}"/>
+                <a16:creationId xmlns:a16="http://schemas.microsoft.com/office/drawing/2014/main" id="{81CCC1D1-2FD3-764A-A04C-ECEA374BFEF4}"/>
               </a:ext>
             </a:extLst>
           </p:cNvPr>
@@ -856,7 +856,7 @@
           <a:bodyPr/>
           <a:lstStyle/>
           <a:p>
-            <a:fld id="{1245EAD2-EA0A-41E4-B136-19EBE2A0E703}" type="datetimeFigureOut">
+            <a:fld id="{38A64FD6-4D52-4A11-8A55-05620A3D15F4}" type="datetimeFigureOut">
               <a:rPr lang="zh-CN" altLang="en-US" smtClean="0"/>
               <a:t>2024/3/10</a:t>
             </a:fld>
@@ -869,7 +869,7 @@
           <p:cNvPr id="5" name="页脚占位符 4">
             <a:extLst>
               <a:ext uri="{FF2B5EF4-FFF2-40B4-BE49-F238E27FC236}">
-                <a16:creationId xmlns:a16="http://schemas.microsoft.com/office/drawing/2014/main" id="{79EE9B64-7BF1-1EC0-28D6-D3363AE970BE}"/>
+                <a16:creationId xmlns:a16="http://schemas.microsoft.com/office/drawing/2014/main" id="{12DBFB3A-26EE-E24C-757F-97CE66D1E6B3}"/>
               </a:ext>
             </a:extLst>
           </p:cNvPr>
@@ -894,7 +894,7 @@
           <p:cNvPr id="6" name="灯片编号占位符 5">
             <a:extLst>
               <a:ext uri="{FF2B5EF4-FFF2-40B4-BE49-F238E27FC236}">
-                <a16:creationId xmlns:a16="http://schemas.microsoft.com/office/drawing/2014/main" id="{FB6B602A-BBA4-432F-02B8-0EDC84CCBBD1}"/>
+                <a16:creationId xmlns:a16="http://schemas.microsoft.com/office/drawing/2014/main" id="{7E97CBD9-F7F5-A5A5-83C1-6C675716B590}"/>
               </a:ext>
             </a:extLst>
           </p:cNvPr>
@@ -910,7 +910,7 @@
           <a:bodyPr/>
           <a:lstStyle/>
           <a:p>
-            <a:fld id="{8C719FB9-1574-432E-AA33-B1420A03B5B1}" type="slidenum">
+            <a:fld id="{ED5A25D8-034D-4EFC-B7AC-E71E9C7A57EA}" type="slidenum">
               <a:rPr lang="zh-CN" altLang="en-US" smtClean="0"/>
               <a:t>‹#›</a:t>
             </a:fld>
@@ -921,7 +921,7 @@
     </p:spTree>
     <p:extLst>
       <p:ext uri="{BB962C8B-B14F-4D97-AF65-F5344CB8AC3E}">
-        <p14:creationId xmlns:p14="http://schemas.microsoft.com/office/powerpoint/2010/main" val="2666014398"/>
+        <p14:creationId xmlns:p14="http://schemas.microsoft.com/office/powerpoint/2010/main" val="4012498521"/>
       </p:ext>
     </p:extLst>
   </p:cSld>
@@ -953,7 +953,7 @@
           <p:cNvPr id="2" name="标题 1">
             <a:extLst>
               <a:ext uri="{FF2B5EF4-FFF2-40B4-BE49-F238E27FC236}">
-                <a16:creationId xmlns:a16="http://schemas.microsoft.com/office/drawing/2014/main" id="{84D5318D-BFFE-FE00-2C29-75EDF450329C}"/>
+                <a16:creationId xmlns:a16="http://schemas.microsoft.com/office/drawing/2014/main" id="{B553B212-681B-C495-EDFF-3F52EC0560FB}"/>
               </a:ext>
             </a:extLst>
           </p:cNvPr>
@@ -990,7 +990,7 @@
           <p:cNvPr id="3" name="文本占位符 2">
             <a:extLst>
               <a:ext uri="{FF2B5EF4-FFF2-40B4-BE49-F238E27FC236}">
-                <a16:creationId xmlns:a16="http://schemas.microsoft.com/office/drawing/2014/main" id="{3D474E9B-F6B9-CFA7-73F2-0FE9CD86E95C}"/>
+                <a16:creationId xmlns:a16="http://schemas.microsoft.com/office/drawing/2014/main" id="{28D998FB-506B-32F6-73A5-81182B2086DB}"/>
               </a:ext>
             </a:extLst>
           </p:cNvPr>
@@ -1115,7 +1115,7 @@
           <p:cNvPr id="4" name="日期占位符 3">
             <a:extLst>
               <a:ext uri="{FF2B5EF4-FFF2-40B4-BE49-F238E27FC236}">
-                <a16:creationId xmlns:a16="http://schemas.microsoft.com/office/drawing/2014/main" id="{EE0B1ED4-937A-066D-49FD-194BE2C61854}"/>
+                <a16:creationId xmlns:a16="http://schemas.microsoft.com/office/drawing/2014/main" id="{4F15F03C-AF17-17C6-26BB-902B637E3E10}"/>
               </a:ext>
             </a:extLst>
           </p:cNvPr>
@@ -1131,7 +1131,7 @@
           <a:bodyPr/>
           <a:lstStyle/>
           <a:p>
-            <a:fld id="{1245EAD2-EA0A-41E4-B136-19EBE2A0E703}" type="datetimeFigureOut">
+            <a:fld id="{38A64FD6-4D52-4A11-8A55-05620A3D15F4}" type="datetimeFigureOut">
               <a:rPr lang="zh-CN" altLang="en-US" smtClean="0"/>
               <a:t>2024/3/10</a:t>
             </a:fld>
@@ -1144,7 +1144,7 @@
           <p:cNvPr id="5" name="页脚占位符 4">
             <a:extLst>
               <a:ext uri="{FF2B5EF4-FFF2-40B4-BE49-F238E27FC236}">
-                <a16:creationId xmlns:a16="http://schemas.microsoft.com/office/drawing/2014/main" id="{F7798C79-0B11-3CD8-F25D-0C19D7E913A1}"/>
+                <a16:creationId xmlns:a16="http://schemas.microsoft.com/office/drawing/2014/main" id="{FFA64E0B-A5BE-B31B-2925-454AB3C7BA1D}"/>
               </a:ext>
             </a:extLst>
           </p:cNvPr>
@@ -1169,7 +1169,7 @@
           <p:cNvPr id="6" name="灯片编号占位符 5">
             <a:extLst>
               <a:ext uri="{FF2B5EF4-FFF2-40B4-BE49-F238E27FC236}">
-                <a16:creationId xmlns:a16="http://schemas.microsoft.com/office/drawing/2014/main" id="{015C53DB-8CD6-D92C-1355-83B458F01DDD}"/>
+                <a16:creationId xmlns:a16="http://schemas.microsoft.com/office/drawing/2014/main" id="{D8327FB8-39B1-A410-B3E7-EBA1C20E0899}"/>
               </a:ext>
             </a:extLst>
           </p:cNvPr>
@@ -1185,7 +1185,7 @@
           <a:bodyPr/>
           <a:lstStyle/>
           <a:p>
-            <a:fld id="{8C719FB9-1574-432E-AA33-B1420A03B5B1}" type="slidenum">
+            <a:fld id="{ED5A25D8-034D-4EFC-B7AC-E71E9C7A57EA}" type="slidenum">
               <a:rPr lang="zh-CN" altLang="en-US" smtClean="0"/>
               <a:t>‹#›</a:t>
             </a:fld>
@@ -1196,7 +1196,7 @@
     </p:spTree>
     <p:extLst>
       <p:ext uri="{BB962C8B-B14F-4D97-AF65-F5344CB8AC3E}">
-        <p14:creationId xmlns:p14="http://schemas.microsoft.com/office/powerpoint/2010/main" val="3823216559"/>
+        <p14:creationId xmlns:p14="http://schemas.microsoft.com/office/powerpoint/2010/main" val="1342226364"/>
       </p:ext>
     </p:extLst>
   </p:cSld>
@@ -1228,7 +1228,7 @@
           <p:cNvPr id="2" name="标题 1">
             <a:extLst>
               <a:ext uri="{FF2B5EF4-FFF2-40B4-BE49-F238E27FC236}">
-                <a16:creationId xmlns:a16="http://schemas.microsoft.com/office/drawing/2014/main" id="{7E550EC0-F79F-A7DC-1634-603635576C46}"/>
+                <a16:creationId xmlns:a16="http://schemas.microsoft.com/office/drawing/2014/main" id="{52AFDA2F-5590-4E3F-E844-0DE1D54DEB51}"/>
               </a:ext>
             </a:extLst>
           </p:cNvPr>
@@ -1256,7 +1256,7 @@
           <p:cNvPr id="3" name="内容占位符 2">
             <a:extLst>
               <a:ext uri="{FF2B5EF4-FFF2-40B4-BE49-F238E27FC236}">
-                <a16:creationId xmlns:a16="http://schemas.microsoft.com/office/drawing/2014/main" id="{08141809-B506-2022-44B3-BD060DC897E8}"/>
+                <a16:creationId xmlns:a16="http://schemas.microsoft.com/office/drawing/2014/main" id="{5C5A7D44-353D-4DCB-6BDA-CF03EFFFBEF1}"/>
               </a:ext>
             </a:extLst>
           </p:cNvPr>
@@ -1318,7 +1318,7 @@
           <p:cNvPr id="4" name="内容占位符 3">
             <a:extLst>
               <a:ext uri="{FF2B5EF4-FFF2-40B4-BE49-F238E27FC236}">
-                <a16:creationId xmlns:a16="http://schemas.microsoft.com/office/drawing/2014/main" id="{81829CDD-4A17-C147-DDDD-555F8C9712BD}"/>
+                <a16:creationId xmlns:a16="http://schemas.microsoft.com/office/drawing/2014/main" id="{ABA75E0D-336B-9D8F-DDFA-8268519AD430}"/>
               </a:ext>
             </a:extLst>
           </p:cNvPr>
@@ -1380,7 +1380,7 @@
           <p:cNvPr id="5" name="日期占位符 4">
             <a:extLst>
               <a:ext uri="{FF2B5EF4-FFF2-40B4-BE49-F238E27FC236}">
-                <a16:creationId xmlns:a16="http://schemas.microsoft.com/office/drawing/2014/main" id="{D8BD9560-EC5B-0869-785A-6A0EFEE54929}"/>
+                <a16:creationId xmlns:a16="http://schemas.microsoft.com/office/drawing/2014/main" id="{D0EDFF5B-1976-355B-ED7E-4290DAF35D68}"/>
               </a:ext>
             </a:extLst>
           </p:cNvPr>
@@ -1396,7 +1396,7 @@
           <a:bodyPr/>
           <a:lstStyle/>
           <a:p>
-            <a:fld id="{1245EAD2-EA0A-41E4-B136-19EBE2A0E703}" type="datetimeFigureOut">
+            <a:fld id="{38A64FD6-4D52-4A11-8A55-05620A3D15F4}" type="datetimeFigureOut">
               <a:rPr lang="zh-CN" altLang="en-US" smtClean="0"/>
               <a:t>2024/3/10</a:t>
             </a:fld>
@@ -1409,7 +1409,7 @@
           <p:cNvPr id="6" name="页脚占位符 5">
             <a:extLst>
               <a:ext uri="{FF2B5EF4-FFF2-40B4-BE49-F238E27FC236}">
-                <a16:creationId xmlns:a16="http://schemas.microsoft.com/office/drawing/2014/main" id="{52E46E5D-ACB8-86B2-4E9B-061C4BEFFDD1}"/>
+                <a16:creationId xmlns:a16="http://schemas.microsoft.com/office/drawing/2014/main" id="{7CE6B6B6-F6F4-69DA-DD2F-DC58FA305F82}"/>
               </a:ext>
             </a:extLst>
           </p:cNvPr>
@@ -1434,7 +1434,7 @@
           <p:cNvPr id="7" name="灯片编号占位符 6">
             <a:extLst>
               <a:ext uri="{FF2B5EF4-FFF2-40B4-BE49-F238E27FC236}">
-                <a16:creationId xmlns:a16="http://schemas.microsoft.com/office/drawing/2014/main" id="{9474F7CF-1BA2-5A9E-E623-F96A406E6999}"/>
+                <a16:creationId xmlns:a16="http://schemas.microsoft.com/office/drawing/2014/main" id="{1D286D5D-3118-CE61-CCF7-D34C41BAF148}"/>
               </a:ext>
             </a:extLst>
           </p:cNvPr>
@@ -1450,7 +1450,7 @@
           <a:bodyPr/>
           <a:lstStyle/>
           <a:p>
-            <a:fld id="{8C719FB9-1574-432E-AA33-B1420A03B5B1}" type="slidenum">
+            <a:fld id="{ED5A25D8-034D-4EFC-B7AC-E71E9C7A57EA}" type="slidenum">
               <a:rPr lang="zh-CN" altLang="en-US" smtClean="0"/>
               <a:t>‹#›</a:t>
             </a:fld>
@@ -1461,7 +1461,7 @@
     </p:spTree>
     <p:extLst>
       <p:ext uri="{BB962C8B-B14F-4D97-AF65-F5344CB8AC3E}">
-        <p14:creationId xmlns:p14="http://schemas.microsoft.com/office/powerpoint/2010/main" val="3793168753"/>
+        <p14:creationId xmlns:p14="http://schemas.microsoft.com/office/powerpoint/2010/main" val="4239757819"/>
       </p:ext>
     </p:extLst>
   </p:cSld>
@@ -1493,7 +1493,7 @@
           <p:cNvPr id="2" name="标题 1">
             <a:extLst>
               <a:ext uri="{FF2B5EF4-FFF2-40B4-BE49-F238E27FC236}">
-                <a16:creationId xmlns:a16="http://schemas.microsoft.com/office/drawing/2014/main" id="{F2763829-FF15-9E08-649C-1E01B0060EDF}"/>
+                <a16:creationId xmlns:a16="http://schemas.microsoft.com/office/drawing/2014/main" id="{9C874262-D372-9400-A657-A55E7ACC4E5F}"/>
               </a:ext>
             </a:extLst>
           </p:cNvPr>
@@ -1526,7 +1526,7 @@
           <p:cNvPr id="3" name="文本占位符 2">
             <a:extLst>
               <a:ext uri="{FF2B5EF4-FFF2-40B4-BE49-F238E27FC236}">
-                <a16:creationId xmlns:a16="http://schemas.microsoft.com/office/drawing/2014/main" id="{8B6CB9BA-098A-95B5-BA1D-519954727DE1}"/>
+                <a16:creationId xmlns:a16="http://schemas.microsoft.com/office/drawing/2014/main" id="{8FC1489B-2AB5-1213-9A22-61ED70B8CA5E}"/>
               </a:ext>
             </a:extLst>
           </p:cNvPr>
@@ -1597,7 +1597,7 @@
           <p:cNvPr id="4" name="内容占位符 3">
             <a:extLst>
               <a:ext uri="{FF2B5EF4-FFF2-40B4-BE49-F238E27FC236}">
-                <a16:creationId xmlns:a16="http://schemas.microsoft.com/office/drawing/2014/main" id="{64CEC7E8-FD4D-F1F5-6889-29C655A332C8}"/>
+                <a16:creationId xmlns:a16="http://schemas.microsoft.com/office/drawing/2014/main" id="{9A244915-B8F8-8092-42BD-8A806DEA80D1}"/>
               </a:ext>
             </a:extLst>
           </p:cNvPr>
@@ -1659,7 +1659,7 @@
           <p:cNvPr id="5" name="文本占位符 4">
             <a:extLst>
               <a:ext uri="{FF2B5EF4-FFF2-40B4-BE49-F238E27FC236}">
-                <a16:creationId xmlns:a16="http://schemas.microsoft.com/office/drawing/2014/main" id="{98D62EB0-AD5B-64F6-7EED-2740B54AE8EE}"/>
+                <a16:creationId xmlns:a16="http://schemas.microsoft.com/office/drawing/2014/main" id="{360339A4-FD0B-93B0-C80E-4CCF8871BA8D}"/>
               </a:ext>
             </a:extLst>
           </p:cNvPr>
@@ -1730,7 +1730,7 @@
           <p:cNvPr id="6" name="内容占位符 5">
             <a:extLst>
               <a:ext uri="{FF2B5EF4-FFF2-40B4-BE49-F238E27FC236}">
-                <a16:creationId xmlns:a16="http://schemas.microsoft.com/office/drawing/2014/main" id="{B912A1AD-C8FC-7AD8-0792-9A862130C4E6}"/>
+                <a16:creationId xmlns:a16="http://schemas.microsoft.com/office/drawing/2014/main" id="{4D677E12-492D-966A-60ED-C3B01125B605}"/>
               </a:ext>
             </a:extLst>
           </p:cNvPr>
@@ -1792,7 +1792,7 @@
           <p:cNvPr id="7" name="日期占位符 6">
             <a:extLst>
               <a:ext uri="{FF2B5EF4-FFF2-40B4-BE49-F238E27FC236}">
-                <a16:creationId xmlns:a16="http://schemas.microsoft.com/office/drawing/2014/main" id="{78B9DB09-2FDD-C564-1BB0-0436EA4C6F23}"/>
+                <a16:creationId xmlns:a16="http://schemas.microsoft.com/office/drawing/2014/main" id="{A94F064E-7357-7758-925F-7F9AC39273CE}"/>
               </a:ext>
             </a:extLst>
           </p:cNvPr>
@@ -1808,7 +1808,7 @@
           <a:bodyPr/>
           <a:lstStyle/>
           <a:p>
-            <a:fld id="{1245EAD2-EA0A-41E4-B136-19EBE2A0E703}" type="datetimeFigureOut">
+            <a:fld id="{38A64FD6-4D52-4A11-8A55-05620A3D15F4}" type="datetimeFigureOut">
               <a:rPr lang="zh-CN" altLang="en-US" smtClean="0"/>
               <a:t>2024/3/10</a:t>
             </a:fld>
@@ -1821,7 +1821,7 @@
           <p:cNvPr id="8" name="页脚占位符 7">
             <a:extLst>
               <a:ext uri="{FF2B5EF4-FFF2-40B4-BE49-F238E27FC236}">
-                <a16:creationId xmlns:a16="http://schemas.microsoft.com/office/drawing/2014/main" id="{8531B686-C0F0-8015-AF56-30E41E3997A8}"/>
+                <a16:creationId xmlns:a16="http://schemas.microsoft.com/office/drawing/2014/main" id="{EB87490C-1A57-C2CD-ACE1-D412642FBAB2}"/>
               </a:ext>
             </a:extLst>
           </p:cNvPr>
@@ -1846,7 +1846,7 @@
           <p:cNvPr id="9" name="灯片编号占位符 8">
             <a:extLst>
               <a:ext uri="{FF2B5EF4-FFF2-40B4-BE49-F238E27FC236}">
-                <a16:creationId xmlns:a16="http://schemas.microsoft.com/office/drawing/2014/main" id="{2856497D-8168-C511-A542-11402E9BA449}"/>
+                <a16:creationId xmlns:a16="http://schemas.microsoft.com/office/drawing/2014/main" id="{28EAA1F9-7A13-8BB0-17C6-A1C8CDF7D50C}"/>
               </a:ext>
             </a:extLst>
           </p:cNvPr>
@@ -1862,7 +1862,7 @@
           <a:bodyPr/>
           <a:lstStyle/>
           <a:p>
-            <a:fld id="{8C719FB9-1574-432E-AA33-B1420A03B5B1}" type="slidenum">
+            <a:fld id="{ED5A25D8-034D-4EFC-B7AC-E71E9C7A57EA}" type="slidenum">
               <a:rPr lang="zh-CN" altLang="en-US" smtClean="0"/>
               <a:t>‹#›</a:t>
             </a:fld>
@@ -1873,7 +1873,7 @@
     </p:spTree>
     <p:extLst>
       <p:ext uri="{BB962C8B-B14F-4D97-AF65-F5344CB8AC3E}">
-        <p14:creationId xmlns:p14="http://schemas.microsoft.com/office/powerpoint/2010/main" val="3567666502"/>
+        <p14:creationId xmlns:p14="http://schemas.microsoft.com/office/powerpoint/2010/main" val="3079332466"/>
       </p:ext>
     </p:extLst>
   </p:cSld>
@@ -1905,7 +1905,7 @@
           <p:cNvPr id="2" name="标题 1">
             <a:extLst>
               <a:ext uri="{FF2B5EF4-FFF2-40B4-BE49-F238E27FC236}">
-                <a16:creationId xmlns:a16="http://schemas.microsoft.com/office/drawing/2014/main" id="{A7B766A2-09E5-FA28-9DA5-BFC48671F723}"/>
+                <a16:creationId xmlns:a16="http://schemas.microsoft.com/office/drawing/2014/main" id="{6AD79F5A-7872-4722-8D41-E384608676C1}"/>
               </a:ext>
             </a:extLst>
           </p:cNvPr>
@@ -1933,7 +1933,7 @@
           <p:cNvPr id="3" name="日期占位符 2">
             <a:extLst>
               <a:ext uri="{FF2B5EF4-FFF2-40B4-BE49-F238E27FC236}">
-                <a16:creationId xmlns:a16="http://schemas.microsoft.com/office/drawing/2014/main" id="{959B16B0-CA40-FA73-A281-9175FCDCB151}"/>
+                <a16:creationId xmlns:a16="http://schemas.microsoft.com/office/drawing/2014/main" id="{363347EF-57A5-EEB5-393F-26A9BB9EE6B8}"/>
               </a:ext>
             </a:extLst>
           </p:cNvPr>
@@ -1949,7 +1949,7 @@
           <a:bodyPr/>
           <a:lstStyle/>
           <a:p>
-            <a:fld id="{1245EAD2-EA0A-41E4-B136-19EBE2A0E703}" type="datetimeFigureOut">
+            <a:fld id="{38A64FD6-4D52-4A11-8A55-05620A3D15F4}" type="datetimeFigureOut">
               <a:rPr lang="zh-CN" altLang="en-US" smtClean="0"/>
               <a:t>2024/3/10</a:t>
             </a:fld>
@@ -1962,7 +1962,7 @@
           <p:cNvPr id="4" name="页脚占位符 3">
             <a:extLst>
               <a:ext uri="{FF2B5EF4-FFF2-40B4-BE49-F238E27FC236}">
-                <a16:creationId xmlns:a16="http://schemas.microsoft.com/office/drawing/2014/main" id="{8C6C2A25-AC3F-00D6-3E17-92F9B0A374F7}"/>
+                <a16:creationId xmlns:a16="http://schemas.microsoft.com/office/drawing/2014/main" id="{F24D81BC-78D3-C2E9-2D86-D7436477A189}"/>
               </a:ext>
             </a:extLst>
           </p:cNvPr>
@@ -1987,7 +1987,7 @@
           <p:cNvPr id="5" name="灯片编号占位符 4">
             <a:extLst>
               <a:ext uri="{FF2B5EF4-FFF2-40B4-BE49-F238E27FC236}">
-                <a16:creationId xmlns:a16="http://schemas.microsoft.com/office/drawing/2014/main" id="{AAB7FF8F-A111-C23A-1795-0B866E493A0C}"/>
+                <a16:creationId xmlns:a16="http://schemas.microsoft.com/office/drawing/2014/main" id="{64EFFF3E-BF11-6A4A-5B5D-4C142EA31C5C}"/>
               </a:ext>
             </a:extLst>
           </p:cNvPr>
@@ -2003,7 +2003,7 @@
           <a:bodyPr/>
           <a:lstStyle/>
           <a:p>
-            <a:fld id="{8C719FB9-1574-432E-AA33-B1420A03B5B1}" type="slidenum">
+            <a:fld id="{ED5A25D8-034D-4EFC-B7AC-E71E9C7A57EA}" type="slidenum">
               <a:rPr lang="zh-CN" altLang="en-US" smtClean="0"/>
               <a:t>‹#›</a:t>
             </a:fld>
@@ -2014,7 +2014,7 @@
     </p:spTree>
     <p:extLst>
       <p:ext uri="{BB962C8B-B14F-4D97-AF65-F5344CB8AC3E}">
-        <p14:creationId xmlns:p14="http://schemas.microsoft.com/office/powerpoint/2010/main" val="738171624"/>
+        <p14:creationId xmlns:p14="http://schemas.microsoft.com/office/powerpoint/2010/main" val="2176297070"/>
       </p:ext>
     </p:extLst>
   </p:cSld>
@@ -2046,7 +2046,7 @@
           <p:cNvPr id="2" name="日期占位符 1">
             <a:extLst>
               <a:ext uri="{FF2B5EF4-FFF2-40B4-BE49-F238E27FC236}">
-                <a16:creationId xmlns:a16="http://schemas.microsoft.com/office/drawing/2014/main" id="{F5C08BC2-21C5-99F2-9F11-EF68B7682BD9}"/>
+                <a16:creationId xmlns:a16="http://schemas.microsoft.com/office/drawing/2014/main" id="{234A21E9-D15F-203C-5526-36215C1205CE}"/>
               </a:ext>
             </a:extLst>
           </p:cNvPr>
@@ -2062,7 +2062,7 @@
           <a:bodyPr/>
           <a:lstStyle/>
           <a:p>
-            <a:fld id="{1245EAD2-EA0A-41E4-B136-19EBE2A0E703}" type="datetimeFigureOut">
+            <a:fld id="{38A64FD6-4D52-4A11-8A55-05620A3D15F4}" type="datetimeFigureOut">
               <a:rPr lang="zh-CN" altLang="en-US" smtClean="0"/>
               <a:t>2024/3/10</a:t>
             </a:fld>
@@ -2075,7 +2075,7 @@
           <p:cNvPr id="3" name="页脚占位符 2">
             <a:extLst>
               <a:ext uri="{FF2B5EF4-FFF2-40B4-BE49-F238E27FC236}">
-                <a16:creationId xmlns:a16="http://schemas.microsoft.com/office/drawing/2014/main" id="{A842DD9D-EB60-AF85-12B5-3A3FBE5808AD}"/>
+                <a16:creationId xmlns:a16="http://schemas.microsoft.com/office/drawing/2014/main" id="{89740E10-0D61-683B-77DD-52ECF03DFBB1}"/>
               </a:ext>
             </a:extLst>
           </p:cNvPr>
@@ -2100,7 +2100,7 @@
           <p:cNvPr id="4" name="灯片编号占位符 3">
             <a:extLst>
               <a:ext uri="{FF2B5EF4-FFF2-40B4-BE49-F238E27FC236}">
-                <a16:creationId xmlns:a16="http://schemas.microsoft.com/office/drawing/2014/main" id="{A52BB983-E7DE-9D9F-AF19-52CA3682711D}"/>
+                <a16:creationId xmlns:a16="http://schemas.microsoft.com/office/drawing/2014/main" id="{A5C10CC2-5850-8950-DE6D-C73B9D65BC5D}"/>
               </a:ext>
             </a:extLst>
           </p:cNvPr>
@@ -2116,7 +2116,7 @@
           <a:bodyPr/>
           <a:lstStyle/>
           <a:p>
-            <a:fld id="{8C719FB9-1574-432E-AA33-B1420A03B5B1}" type="slidenum">
+            <a:fld id="{ED5A25D8-034D-4EFC-B7AC-E71E9C7A57EA}" type="slidenum">
               <a:rPr lang="zh-CN" altLang="en-US" smtClean="0"/>
               <a:t>‹#›</a:t>
             </a:fld>
@@ -2127,7 +2127,7 @@
     </p:spTree>
     <p:extLst>
       <p:ext uri="{BB962C8B-B14F-4D97-AF65-F5344CB8AC3E}">
-        <p14:creationId xmlns:p14="http://schemas.microsoft.com/office/powerpoint/2010/main" val="3779195828"/>
+        <p14:creationId xmlns:p14="http://schemas.microsoft.com/office/powerpoint/2010/main" val="2271348492"/>
       </p:ext>
     </p:extLst>
   </p:cSld>
@@ -2159,7 +2159,7 @@
           <p:cNvPr id="2" name="标题 1">
             <a:extLst>
               <a:ext uri="{FF2B5EF4-FFF2-40B4-BE49-F238E27FC236}">
-                <a16:creationId xmlns:a16="http://schemas.microsoft.com/office/drawing/2014/main" id="{628D5911-E6FA-3969-C635-76B59CFEE5EC}"/>
+                <a16:creationId xmlns:a16="http://schemas.microsoft.com/office/drawing/2014/main" id="{DA9A6A4C-F96E-8BA3-B447-C22ECB0D30E9}"/>
               </a:ext>
             </a:extLst>
           </p:cNvPr>
@@ -2196,7 +2196,7 @@
           <p:cNvPr id="3" name="内容占位符 2">
             <a:extLst>
               <a:ext uri="{FF2B5EF4-FFF2-40B4-BE49-F238E27FC236}">
-                <a16:creationId xmlns:a16="http://schemas.microsoft.com/office/drawing/2014/main" id="{9AF97A6B-575D-9F63-4BA4-B817A35159F7}"/>
+                <a16:creationId xmlns:a16="http://schemas.microsoft.com/office/drawing/2014/main" id="{DF8EF4EF-BE6E-B264-EF67-B5B1D0424A2E}"/>
               </a:ext>
             </a:extLst>
           </p:cNvPr>
@@ -2286,7 +2286,7 @@
           <p:cNvPr id="4" name="文本占位符 3">
             <a:extLst>
               <a:ext uri="{FF2B5EF4-FFF2-40B4-BE49-F238E27FC236}">
-                <a16:creationId xmlns:a16="http://schemas.microsoft.com/office/drawing/2014/main" id="{9EE0814A-006C-5E0C-A351-4D1F92C69D50}"/>
+                <a16:creationId xmlns:a16="http://schemas.microsoft.com/office/drawing/2014/main" id="{1966F3D6-6B34-B0B2-026E-A3BFD69F28E2}"/>
               </a:ext>
             </a:extLst>
           </p:cNvPr>
@@ -2357,7 +2357,7 @@
           <p:cNvPr id="5" name="日期占位符 4">
             <a:extLst>
               <a:ext uri="{FF2B5EF4-FFF2-40B4-BE49-F238E27FC236}">
-                <a16:creationId xmlns:a16="http://schemas.microsoft.com/office/drawing/2014/main" id="{261C02C0-A688-010D-CB39-065D7577D267}"/>
+                <a16:creationId xmlns:a16="http://schemas.microsoft.com/office/drawing/2014/main" id="{AA299C7F-5EA9-8630-CA8D-1789C34EA859}"/>
               </a:ext>
             </a:extLst>
           </p:cNvPr>
@@ -2373,7 +2373,7 @@
           <a:bodyPr/>
           <a:lstStyle/>
           <a:p>
-            <a:fld id="{1245EAD2-EA0A-41E4-B136-19EBE2A0E703}" type="datetimeFigureOut">
+            <a:fld id="{38A64FD6-4D52-4A11-8A55-05620A3D15F4}" type="datetimeFigureOut">
               <a:rPr lang="zh-CN" altLang="en-US" smtClean="0"/>
               <a:t>2024/3/10</a:t>
             </a:fld>
@@ -2386,7 +2386,7 @@
           <p:cNvPr id="6" name="页脚占位符 5">
             <a:extLst>
               <a:ext uri="{FF2B5EF4-FFF2-40B4-BE49-F238E27FC236}">
-                <a16:creationId xmlns:a16="http://schemas.microsoft.com/office/drawing/2014/main" id="{9A02ABB3-D3DE-073A-4C9A-3AD20AFFDAC7}"/>
+                <a16:creationId xmlns:a16="http://schemas.microsoft.com/office/drawing/2014/main" id="{A224BF37-DD56-D8C6-5005-F48B4FA3DE47}"/>
               </a:ext>
             </a:extLst>
           </p:cNvPr>
@@ -2411,7 +2411,7 @@
           <p:cNvPr id="7" name="灯片编号占位符 6">
             <a:extLst>
               <a:ext uri="{FF2B5EF4-FFF2-40B4-BE49-F238E27FC236}">
-                <a16:creationId xmlns:a16="http://schemas.microsoft.com/office/drawing/2014/main" id="{A58CED49-A161-6E96-AD25-84963273D732}"/>
+                <a16:creationId xmlns:a16="http://schemas.microsoft.com/office/drawing/2014/main" id="{DFDF1C6E-FA9D-2C3A-FCAF-D28107C03D3B}"/>
               </a:ext>
             </a:extLst>
           </p:cNvPr>
@@ -2427,7 +2427,7 @@
           <a:bodyPr/>
           <a:lstStyle/>
           <a:p>
-            <a:fld id="{8C719FB9-1574-432E-AA33-B1420A03B5B1}" type="slidenum">
+            <a:fld id="{ED5A25D8-034D-4EFC-B7AC-E71E9C7A57EA}" type="slidenum">
               <a:rPr lang="zh-CN" altLang="en-US" smtClean="0"/>
               <a:t>‹#›</a:t>
             </a:fld>
@@ -2438,7 +2438,7 @@
     </p:spTree>
     <p:extLst>
       <p:ext uri="{BB962C8B-B14F-4D97-AF65-F5344CB8AC3E}">
-        <p14:creationId xmlns:p14="http://schemas.microsoft.com/office/powerpoint/2010/main" val="2103982284"/>
+        <p14:creationId xmlns:p14="http://schemas.microsoft.com/office/powerpoint/2010/main" val="3440798518"/>
       </p:ext>
     </p:extLst>
   </p:cSld>
@@ -2470,7 +2470,7 @@
           <p:cNvPr id="2" name="标题 1">
             <a:extLst>
               <a:ext uri="{FF2B5EF4-FFF2-40B4-BE49-F238E27FC236}">
-                <a16:creationId xmlns:a16="http://schemas.microsoft.com/office/drawing/2014/main" id="{C44460D3-52CD-1105-ABC6-37DB0A259633}"/>
+                <a16:creationId xmlns:a16="http://schemas.microsoft.com/office/drawing/2014/main" id="{CE8E2FDB-B5AB-0602-BCE1-694A3A3E03BB}"/>
               </a:ext>
             </a:extLst>
           </p:cNvPr>
@@ -2507,7 +2507,7 @@
           <p:cNvPr id="3" name="图片占位符 2">
             <a:extLst>
               <a:ext uri="{FF2B5EF4-FFF2-40B4-BE49-F238E27FC236}">
-                <a16:creationId xmlns:a16="http://schemas.microsoft.com/office/drawing/2014/main" id="{ACB0E524-68E0-3C3C-F277-03B46ADB8DBB}"/>
+                <a16:creationId xmlns:a16="http://schemas.microsoft.com/office/drawing/2014/main" id="{22206754-66E4-4817-AF7A-B0B07ACAA193}"/>
               </a:ext>
             </a:extLst>
           </p:cNvPr>
@@ -2574,7 +2574,7 @@
           <p:cNvPr id="4" name="文本占位符 3">
             <a:extLst>
               <a:ext uri="{FF2B5EF4-FFF2-40B4-BE49-F238E27FC236}">
-                <a16:creationId xmlns:a16="http://schemas.microsoft.com/office/drawing/2014/main" id="{D1652556-BA5A-0300-1034-B24992B5F17F}"/>
+                <a16:creationId xmlns:a16="http://schemas.microsoft.com/office/drawing/2014/main" id="{047829B2-7396-7431-2096-71F106772493}"/>
               </a:ext>
             </a:extLst>
           </p:cNvPr>
@@ -2645,7 +2645,7 @@
           <p:cNvPr id="5" name="日期占位符 4">
             <a:extLst>
               <a:ext uri="{FF2B5EF4-FFF2-40B4-BE49-F238E27FC236}">
-                <a16:creationId xmlns:a16="http://schemas.microsoft.com/office/drawing/2014/main" id="{BE1BA6B2-FFB1-2DE1-5CC3-12FAF0398D7B}"/>
+                <a16:creationId xmlns:a16="http://schemas.microsoft.com/office/drawing/2014/main" id="{1F73B99B-25DF-AB9D-9876-86C8CBE7D77C}"/>
               </a:ext>
             </a:extLst>
           </p:cNvPr>
@@ -2661,7 +2661,7 @@
           <a:bodyPr/>
           <a:lstStyle/>
           <a:p>
-            <a:fld id="{1245EAD2-EA0A-41E4-B136-19EBE2A0E703}" type="datetimeFigureOut">
+            <a:fld id="{38A64FD6-4D52-4A11-8A55-05620A3D15F4}" type="datetimeFigureOut">
               <a:rPr lang="zh-CN" altLang="en-US" smtClean="0"/>
               <a:t>2024/3/10</a:t>
             </a:fld>
@@ -2674,7 +2674,7 @@
           <p:cNvPr id="6" name="页脚占位符 5">
             <a:extLst>
               <a:ext uri="{FF2B5EF4-FFF2-40B4-BE49-F238E27FC236}">
-                <a16:creationId xmlns:a16="http://schemas.microsoft.com/office/drawing/2014/main" id="{44CBD28A-FE14-EAC5-10D3-79AD97BEC411}"/>
+                <a16:creationId xmlns:a16="http://schemas.microsoft.com/office/drawing/2014/main" id="{80704F14-8C03-F438-56F6-E31F426562D1}"/>
               </a:ext>
             </a:extLst>
           </p:cNvPr>
@@ -2699,7 +2699,7 @@
           <p:cNvPr id="7" name="灯片编号占位符 6">
             <a:extLst>
               <a:ext uri="{FF2B5EF4-FFF2-40B4-BE49-F238E27FC236}">
-                <a16:creationId xmlns:a16="http://schemas.microsoft.com/office/drawing/2014/main" id="{3F08ECE1-2BEF-706E-1E15-749807F7600F}"/>
+                <a16:creationId xmlns:a16="http://schemas.microsoft.com/office/drawing/2014/main" id="{41C5F50C-B944-794D-09CA-456AEA7553F6}"/>
               </a:ext>
             </a:extLst>
           </p:cNvPr>
@@ -2715,7 +2715,7 @@
           <a:bodyPr/>
           <a:lstStyle/>
           <a:p>
-            <a:fld id="{8C719FB9-1574-432E-AA33-B1420A03B5B1}" type="slidenum">
+            <a:fld id="{ED5A25D8-034D-4EFC-B7AC-E71E9C7A57EA}" type="slidenum">
               <a:rPr lang="zh-CN" altLang="en-US" smtClean="0"/>
               <a:t>‹#›</a:t>
             </a:fld>
@@ -2726,7 +2726,7 @@
     </p:spTree>
     <p:extLst>
       <p:ext uri="{BB962C8B-B14F-4D97-AF65-F5344CB8AC3E}">
-        <p14:creationId xmlns:p14="http://schemas.microsoft.com/office/powerpoint/2010/main" val="1481765674"/>
+        <p14:creationId xmlns:p14="http://schemas.microsoft.com/office/powerpoint/2010/main" val="2567402389"/>
       </p:ext>
     </p:extLst>
   </p:cSld>
@@ -2763,7 +2763,7 @@
           <p:cNvPr id="2" name="标题占位符 1">
             <a:extLst>
               <a:ext uri="{FF2B5EF4-FFF2-40B4-BE49-F238E27FC236}">
-                <a16:creationId xmlns:a16="http://schemas.microsoft.com/office/drawing/2014/main" id="{B096D37C-DFAB-1A5D-F2B0-9F55D601F214}"/>
+                <a16:creationId xmlns:a16="http://schemas.microsoft.com/office/drawing/2014/main" id="{732C5607-0D2A-C354-2F67-6542E3004478}"/>
               </a:ext>
             </a:extLst>
           </p:cNvPr>
@@ -2801,7 +2801,7 @@
           <p:cNvPr id="3" name="文本占位符 2">
             <a:extLst>
               <a:ext uri="{FF2B5EF4-FFF2-40B4-BE49-F238E27FC236}">
-                <a16:creationId xmlns:a16="http://schemas.microsoft.com/office/drawing/2014/main" id="{E99DA5BB-EEB7-54DC-E14C-E3A1E9E36B31}"/>
+                <a16:creationId xmlns:a16="http://schemas.microsoft.com/office/drawing/2014/main" id="{90B7D3CA-5E70-B3E5-45FB-FF1A28D2FF6A}"/>
               </a:ext>
             </a:extLst>
           </p:cNvPr>
@@ -2868,7 +2868,7 @@
           <p:cNvPr id="4" name="日期占位符 3">
             <a:extLst>
               <a:ext uri="{FF2B5EF4-FFF2-40B4-BE49-F238E27FC236}">
-                <a16:creationId xmlns:a16="http://schemas.microsoft.com/office/drawing/2014/main" id="{AD201D71-CFB5-044E-48BF-14B56D1DE85B}"/>
+                <a16:creationId xmlns:a16="http://schemas.microsoft.com/office/drawing/2014/main" id="{F314EFFF-9C26-3645-F1DB-A5633129B05A}"/>
               </a:ext>
             </a:extLst>
           </p:cNvPr>
@@ -2902,7 +2902,7 @@
             </a:lvl1pPr>
           </a:lstStyle>
           <a:p>
-            <a:fld id="{1245EAD2-EA0A-41E4-B136-19EBE2A0E703}" type="datetimeFigureOut">
+            <a:fld id="{38A64FD6-4D52-4A11-8A55-05620A3D15F4}" type="datetimeFigureOut">
               <a:rPr lang="zh-CN" altLang="en-US" smtClean="0"/>
               <a:t>2024/3/10</a:t>
             </a:fld>
@@ -2915,7 +2915,7 @@
           <p:cNvPr id="5" name="页脚占位符 4">
             <a:extLst>
               <a:ext uri="{FF2B5EF4-FFF2-40B4-BE49-F238E27FC236}">
-                <a16:creationId xmlns:a16="http://schemas.microsoft.com/office/drawing/2014/main" id="{E3567D25-558D-763E-B9B9-40A0127B113E}"/>
+                <a16:creationId xmlns:a16="http://schemas.microsoft.com/office/drawing/2014/main" id="{CE691CC8-4879-A987-694C-077239344244}"/>
               </a:ext>
             </a:extLst>
           </p:cNvPr>
@@ -2958,7 +2958,7 @@
           <p:cNvPr id="6" name="灯片编号占位符 5">
             <a:extLst>
               <a:ext uri="{FF2B5EF4-FFF2-40B4-BE49-F238E27FC236}">
-                <a16:creationId xmlns:a16="http://schemas.microsoft.com/office/drawing/2014/main" id="{90D10D5E-FE70-501D-5418-1272E3152A90}"/>
+                <a16:creationId xmlns:a16="http://schemas.microsoft.com/office/drawing/2014/main" id="{B2B3BCD4-085D-44C8-C8A6-DF6296399DAA}"/>
               </a:ext>
             </a:extLst>
           </p:cNvPr>
@@ -2992,7 +2992,7 @@
             </a:lvl1pPr>
           </a:lstStyle>
           <a:p>
-            <a:fld id="{8C719FB9-1574-432E-AA33-B1420A03B5B1}" type="slidenum">
+            <a:fld id="{ED5A25D8-034D-4EFC-B7AC-E71E9C7A57EA}" type="slidenum">
               <a:rPr lang="zh-CN" altLang="en-US" smtClean="0"/>
               <a:t>‹#›</a:t>
             </a:fld>
@@ -3003,7 +3003,7 @@
     </p:spTree>
     <p:extLst>
       <p:ext uri="{BB962C8B-B14F-4D97-AF65-F5344CB8AC3E}">
-        <p14:creationId xmlns:p14="http://schemas.microsoft.com/office/powerpoint/2010/main" val="1460740610"/>
+        <p14:creationId xmlns:p14="http://schemas.microsoft.com/office/powerpoint/2010/main" val="2999667785"/>
       </p:ext>
     </p:extLst>
   </p:cSld>
